--- a/day1/What_is_Bioinformatics.pptx
+++ b/day1/What_is_Bioinformatics.pptx
@@ -5,7 +5,7 @@
     <p:sldMasterId id="2147483660" r:id="rId1"/>
   </p:sldMasterIdLst>
   <p:notesMasterIdLst>
-    <p:notesMasterId r:id="rId29"/>
+    <p:notesMasterId r:id="rId30"/>
   </p:notesMasterIdLst>
   <p:sldIdLst>
     <p:sldId id="257" r:id="rId2"/>
@@ -30,11 +30,12 @@
     <p:sldId id="284" r:id="rId21"/>
     <p:sldId id="285" r:id="rId22"/>
     <p:sldId id="286" r:id="rId23"/>
-    <p:sldId id="289" r:id="rId24"/>
-    <p:sldId id="290" r:id="rId25"/>
-    <p:sldId id="287" r:id="rId26"/>
-    <p:sldId id="288" r:id="rId27"/>
-    <p:sldId id="294" r:id="rId28"/>
+    <p:sldId id="296" r:id="rId24"/>
+    <p:sldId id="289" r:id="rId25"/>
+    <p:sldId id="290" r:id="rId26"/>
+    <p:sldId id="287" r:id="rId27"/>
+    <p:sldId id="288" r:id="rId28"/>
+    <p:sldId id="294" r:id="rId29"/>
   </p:sldIdLst>
   <p:sldSz cx="12192000" cy="6858000"/>
   <p:notesSz cx="6858000" cy="9144000"/>
@@ -223,7 +224,7 @@
           <a:p>
             <a:fld id="{7BF5E2D9-BC91-8643-972A-980AA9DDDE8D}" type="datetimeFigureOut">
               <a:rPr lang="en-US" smtClean="0"/>
-              <a:t>12/17/17</a:t>
+              <a:t>3/19/18</a:t>
             </a:fld>
             <a:endParaRPr lang="en-US"/>
           </a:p>
@@ -1133,7 +1134,7 @@
           <a:p>
             <a:fld id="{3C7ED0E6-7BA8-1C4C-B47E-9DE2F9DD3776}" type="datetimeFigureOut">
               <a:rPr lang="en-US" smtClean="0"/>
-              <a:t>12/17/17</a:t>
+              <a:t>3/19/18</a:t>
             </a:fld>
             <a:endParaRPr lang="en-US"/>
           </a:p>
@@ -1297,7 +1298,7 @@
           <a:p>
             <a:fld id="{3C7ED0E6-7BA8-1C4C-B47E-9DE2F9DD3776}" type="datetimeFigureOut">
               <a:rPr lang="en-US" smtClean="0"/>
-              <a:t>12/17/17</a:t>
+              <a:t>3/19/18</a:t>
             </a:fld>
             <a:endParaRPr lang="en-US"/>
           </a:p>
@@ -1471,7 +1472,7 @@
           <a:p>
             <a:fld id="{3C7ED0E6-7BA8-1C4C-B47E-9DE2F9DD3776}" type="datetimeFigureOut">
               <a:rPr lang="en-US" smtClean="0"/>
-              <a:t>12/17/17</a:t>
+              <a:t>3/19/18</a:t>
             </a:fld>
             <a:endParaRPr lang="en-US"/>
           </a:p>
@@ -1778,7 +1779,7 @@
           <a:p>
             <a:fld id="{3C7ED0E6-7BA8-1C4C-B47E-9DE2F9DD3776}" type="datetimeFigureOut">
               <a:rPr lang="en-US" smtClean="0"/>
-              <a:t>12/17/17</a:t>
+              <a:t>3/19/18</a:t>
             </a:fld>
             <a:endParaRPr lang="en-US"/>
           </a:p>
@@ -2019,7 +2020,7 @@
           <a:p>
             <a:fld id="{3C7ED0E6-7BA8-1C4C-B47E-9DE2F9DD3776}" type="datetimeFigureOut">
               <a:rPr lang="en-US" smtClean="0"/>
-              <a:t>12/17/17</a:t>
+              <a:t>3/19/18</a:t>
             </a:fld>
             <a:endParaRPr lang="en-US"/>
           </a:p>
@@ -2244,7 +2245,7 @@
           <a:p>
             <a:fld id="{3C7ED0E6-7BA8-1C4C-B47E-9DE2F9DD3776}" type="datetimeFigureOut">
               <a:rPr lang="en-US" smtClean="0"/>
-              <a:t>12/17/17</a:t>
+              <a:t>3/19/18</a:t>
             </a:fld>
             <a:endParaRPr lang="en-US"/>
           </a:p>
@@ -2604,7 +2605,7 @@
           <a:p>
             <a:fld id="{3C7ED0E6-7BA8-1C4C-B47E-9DE2F9DD3776}" type="datetimeFigureOut">
               <a:rPr lang="en-US" smtClean="0"/>
-              <a:t>12/17/17</a:t>
+              <a:t>3/19/18</a:t>
             </a:fld>
             <a:endParaRPr lang="en-US"/>
           </a:p>
@@ -2717,7 +2718,7 @@
           <a:p>
             <a:fld id="{3C7ED0E6-7BA8-1C4C-B47E-9DE2F9DD3776}" type="datetimeFigureOut">
               <a:rPr lang="en-US" smtClean="0"/>
-              <a:t>12/17/17</a:t>
+              <a:t>3/19/18</a:t>
             </a:fld>
             <a:endParaRPr lang="en-US"/>
           </a:p>
@@ -2808,7 +2809,7 @@
           <a:p>
             <a:fld id="{3C7ED0E6-7BA8-1C4C-B47E-9DE2F9DD3776}" type="datetimeFigureOut">
               <a:rPr lang="en-US" smtClean="0"/>
-              <a:t>12/17/17</a:t>
+              <a:t>3/19/18</a:t>
             </a:fld>
             <a:endParaRPr lang="en-US"/>
           </a:p>
@@ -3079,7 +3080,7 @@
           <a:p>
             <a:fld id="{3C7ED0E6-7BA8-1C4C-B47E-9DE2F9DD3776}" type="datetimeFigureOut">
               <a:rPr lang="en-US" smtClean="0"/>
-              <a:t>12/17/17</a:t>
+              <a:t>3/19/18</a:t>
             </a:fld>
             <a:endParaRPr lang="en-US"/>
           </a:p>
@@ -3330,7 +3331,7 @@
           <a:p>
             <a:fld id="{3C7ED0E6-7BA8-1C4C-B47E-9DE2F9DD3776}" type="datetimeFigureOut">
               <a:rPr lang="en-US" smtClean="0"/>
-              <a:t>12/17/17</a:t>
+              <a:t>3/19/18</a:t>
             </a:fld>
             <a:endParaRPr lang="en-US"/>
           </a:p>
@@ -3538,7 +3539,7 @@
           <a:p>
             <a:fld id="{3C7ED0E6-7BA8-1C4C-B47E-9DE2F9DD3776}" type="datetimeFigureOut">
               <a:rPr lang="en-US" smtClean="0"/>
-              <a:t>12/17/17</a:t>
+              <a:t>3/19/18</a:t>
             </a:fld>
             <a:endParaRPr lang="en-US"/>
           </a:p>
@@ -4037,17 +4038,17 @@
           </a:ln>
           <a:extLst>
             <a:ext uri="{FAA26D3D-D897-4be2-8F04-BA451C77F1D7}">
-              <ma14:placeholderFlag xmlns:ma14="http://schemas.microsoft.com/office/mac/drawingml/2011/main" xmlns="" val="1"/>
+              <ma14:placeholderFlag xmlns="" xmlns:ma14="http://schemas.microsoft.com/office/mac/drawingml/2011/main" val="1"/>
             </a:ext>
             <a:ext uri="{909E8E84-426E-40dd-AFC4-6F175D3DCCD1}">
-              <a14:hiddenFill xmlns="" xmlns:a14="http://schemas.microsoft.com/office/drawing/2010/main">
+              <a14:hiddenFill xmlns:a14="http://schemas.microsoft.com/office/drawing/2010/main" xmlns="">
                 <a:solidFill>
                   <a:srgbClr val="FFFFFF"/>
                 </a:solidFill>
               </a14:hiddenFill>
             </a:ext>
             <a:ext uri="{91240B29-F687-4f45-9708-019B960494DF}">
-              <a14:hiddenLine xmlns="" xmlns:a14="http://schemas.microsoft.com/office/drawing/2010/main" w="9525">
+              <a14:hiddenLine xmlns:a14="http://schemas.microsoft.com/office/drawing/2010/main" xmlns="" w="9525">
                 <a:solidFill>
                   <a:srgbClr val="000000"/>
                 </a:solidFill>
@@ -7297,36 +7298,6 @@
           </a:p>
         </p:txBody>
       </p:sp>
-      <p:pic>
-        <p:nvPicPr>
-          <p:cNvPr id="6" name="Picture 5" descr="imgres.png"/>
-          <p:cNvPicPr>
-            <a:picLocks noChangeAspect="1"/>
-          </p:cNvPicPr>
-          <p:nvPr/>
-        </p:nvPicPr>
-        <p:blipFill>
-          <a:blip r:embed="rId2">
-            <a:extLst>
-              <a:ext uri="{28A0092B-C50C-407E-A947-70E740481C1C}">
-                <a14:useLocalDpi xmlns:a14="http://schemas.microsoft.com/office/drawing/2010/main" val="0"/>
-              </a:ext>
-            </a:extLst>
-          </a:blip>
-          <a:stretch>
-            <a:fillRect/>
-          </a:stretch>
-        </p:blipFill>
-        <p:spPr>
-          <a:xfrm>
-            <a:off x="6372510" y="1908201"/>
-            <a:ext cx="3950335" cy="1187997"/>
-          </a:xfrm>
-          <a:prstGeom prst="rect">
-            <a:avLst/>
-          </a:prstGeom>
-        </p:spPr>
-      </p:pic>
     </p:spTree>
     <p:extLst>
       <p:ext uri="{BB962C8B-B14F-4D97-AF65-F5344CB8AC3E}">
@@ -7359,6 +7330,146 @@
       </p:grpSpPr>
       <p:sp>
         <p:nvSpPr>
+          <p:cNvPr id="2" name="Title 1">
+            <a:extLst>
+              <a:ext uri="{FF2B5EF4-FFF2-40B4-BE49-F238E27FC236}">
+                <a16:creationId xmlns:a16="http://schemas.microsoft.com/office/drawing/2014/main" id="{F3BE24B8-F313-3F4C-8DB0-B586C9EC8153}"/>
+              </a:ext>
+            </a:extLst>
+          </p:cNvPr>
+          <p:cNvSpPr>
+            <a:spLocks noGrp="1"/>
+          </p:cNvSpPr>
+          <p:nvPr>
+            <p:ph type="title"/>
+          </p:nvPr>
+        </p:nvSpPr>
+        <p:spPr>
+          <a:xfrm>
+            <a:off x="897147" y="273629"/>
+            <a:ext cx="10638214" cy="1143480"/>
+          </a:xfrm>
+        </p:spPr>
+        <p:txBody>
+          <a:bodyPr/>
+          <a:lstStyle/>
+          <a:p>
+            <a:r>
+              <a:rPr lang="en-US" dirty="0"/>
+              <a:t>The last mile</a:t>
+            </a:r>
+          </a:p>
+        </p:txBody>
+      </p:sp>
+      <p:sp>
+        <p:nvSpPr>
+          <p:cNvPr id="3" name="Rectangle 2">
+            <a:extLst>
+              <a:ext uri="{FF2B5EF4-FFF2-40B4-BE49-F238E27FC236}">
+                <a16:creationId xmlns:a16="http://schemas.microsoft.com/office/drawing/2014/main" id="{0F16EBAD-E369-CD47-B793-CD8514F0B5BC}"/>
+              </a:ext>
+            </a:extLst>
+          </p:cNvPr>
+          <p:cNvSpPr/>
+          <p:nvPr/>
+        </p:nvSpPr>
+        <p:spPr>
+          <a:xfrm>
+            <a:off x="897147" y="6349843"/>
+            <a:ext cx="4048994" cy="369332"/>
+          </a:xfrm>
+          <a:prstGeom prst="rect">
+            <a:avLst/>
+          </a:prstGeom>
+        </p:spPr>
+        <p:txBody>
+          <a:bodyPr wrap="none">
+            <a:spAutoFit/>
+          </a:bodyPr>
+          <a:lstStyle/>
+          <a:p>
+            <a:r>
+              <a:rPr lang="en-US" dirty="0"/>
+              <a:t>http://</a:t>
+            </a:r>
+            <a:r>
+              <a:rPr lang="en-US" dirty="0" err="1"/>
+              <a:t>www.bikeblanket.com</a:t>
+            </a:r>
+            <a:r>
+              <a:rPr lang="en-US" dirty="0"/>
+              <a:t>/blog/</a:t>
+            </a:r>
+            <a:r>
+              <a:rPr lang="en-US" dirty="0" err="1"/>
+              <a:t>suisse</a:t>
+            </a:r>
+            <a:endParaRPr lang="en-US" dirty="0"/>
+          </a:p>
+        </p:txBody>
+      </p:sp>
+      <p:pic>
+        <p:nvPicPr>
+          <p:cNvPr id="5" name="Picture 4">
+            <a:extLst>
+              <a:ext uri="{FF2B5EF4-FFF2-40B4-BE49-F238E27FC236}">
+                <a16:creationId xmlns:a16="http://schemas.microsoft.com/office/drawing/2014/main" id="{E958578D-1E80-A345-8AA6-69C89581B9C7}"/>
+              </a:ext>
+            </a:extLst>
+          </p:cNvPr>
+          <p:cNvPicPr>
+            <a:picLocks noChangeAspect="1"/>
+          </p:cNvPicPr>
+          <p:nvPr/>
+        </p:nvPicPr>
+        <p:blipFill>
+          <a:blip r:embed="rId2"/>
+          <a:stretch>
+            <a:fillRect/>
+          </a:stretch>
+        </p:blipFill>
+        <p:spPr>
+          <a:xfrm>
+            <a:off x="2106762" y="1672238"/>
+            <a:ext cx="8671520" cy="4422475"/>
+          </a:xfrm>
+          <a:prstGeom prst="rect">
+            <a:avLst/>
+          </a:prstGeom>
+        </p:spPr>
+      </p:pic>
+    </p:spTree>
+    <p:extLst>
+      <p:ext uri="{BB962C8B-B14F-4D97-AF65-F5344CB8AC3E}">
+        <p14:creationId xmlns:p14="http://schemas.microsoft.com/office/powerpoint/2010/main" val="3686795532"/>
+      </p:ext>
+    </p:extLst>
+  </p:cSld>
+  <p:clrMapOvr>
+    <a:masterClrMapping/>
+  </p:clrMapOvr>
+</p:sld>
+</file>
+
+<file path=ppt/slides/slide24.xml><?xml version="1.0" encoding="utf-8"?>
+<p:sld xmlns:a="http://schemas.openxmlformats.org/drawingml/2006/main" xmlns:r="http://schemas.openxmlformats.org/officeDocument/2006/relationships" xmlns:p="http://schemas.openxmlformats.org/presentationml/2006/main">
+  <p:cSld>
+    <p:spTree>
+      <p:nvGrpSpPr>
+        <p:cNvPr id="1" name=""/>
+        <p:cNvGrpSpPr/>
+        <p:nvPr/>
+      </p:nvGrpSpPr>
+      <p:grpSpPr>
+        <a:xfrm>
+          <a:off x="0" y="0"/>
+          <a:ext cx="0" cy="0"/>
+          <a:chOff x="0" y="0"/>
+          <a:chExt cx="0" cy="0"/>
+        </a:xfrm>
+      </p:grpSpPr>
+      <p:sp>
+        <p:nvSpPr>
           <p:cNvPr id="2" name="Title 1"/>
           <p:cNvSpPr>
             <a:spLocks noGrp="1"/>
@@ -7468,7 +7579,7 @@
 </p:sld>
 </file>
 
-<file path=ppt/slides/slide24.xml><?xml version="1.0" encoding="utf-8"?>
+<file path=ppt/slides/slide25.xml><?xml version="1.0" encoding="utf-8"?>
 <p:sld xmlns:a="http://schemas.openxmlformats.org/drawingml/2006/main" xmlns:r="http://schemas.openxmlformats.org/officeDocument/2006/relationships" xmlns:p="http://schemas.openxmlformats.org/presentationml/2006/main">
   <p:cSld>
     <p:spTree>
@@ -7620,7 +7731,7 @@
 </p:sld>
 </file>
 
-<file path=ppt/slides/slide25.xml><?xml version="1.0" encoding="utf-8"?>
+<file path=ppt/slides/slide26.xml><?xml version="1.0" encoding="utf-8"?>
 <p:sld xmlns:a="http://schemas.openxmlformats.org/drawingml/2006/main" xmlns:r="http://schemas.openxmlformats.org/officeDocument/2006/relationships" xmlns:p="http://schemas.openxmlformats.org/presentationml/2006/main">
   <p:cSld>
     <p:spTree>
@@ -8024,7 +8135,7 @@
 </p:sld>
 </file>
 
-<file path=ppt/slides/slide26.xml><?xml version="1.0" encoding="utf-8"?>
+<file path=ppt/slides/slide27.xml><?xml version="1.0" encoding="utf-8"?>
 <p:sld xmlns:a="http://schemas.openxmlformats.org/drawingml/2006/main" xmlns:r="http://schemas.openxmlformats.org/officeDocument/2006/relationships" xmlns:p="http://schemas.openxmlformats.org/presentationml/2006/main">
   <p:cSld>
     <p:spTree>
@@ -8424,7 +8535,7 @@
 </p:sld>
 </file>
 
-<file path=ppt/slides/slide27.xml><?xml version="1.0" encoding="utf-8"?>
+<file path=ppt/slides/slide28.xml><?xml version="1.0" encoding="utf-8"?>
 <p:sld xmlns:a="http://schemas.openxmlformats.org/drawingml/2006/main" xmlns:r="http://schemas.openxmlformats.org/officeDocument/2006/relationships" xmlns:p="http://schemas.openxmlformats.org/presentationml/2006/main">
   <p:cSld>
     <p:spTree>
@@ -11169,8 +11280,13 @@
           <a:p>
             <a:r>
               <a:rPr lang="en-US" sz="4355" dirty="0"/>
-              <a:t>Sequencing Libraries</a:t>
-            </a:r>
+              <a:t>Sequencing Libraries : MLA-</a:t>
+            </a:r>
+            <a:r>
+              <a:rPr lang="en-US" sz="4355" dirty="0" err="1"/>
+              <a:t>seq</a:t>
+            </a:r>
+            <a:endParaRPr lang="en-US" sz="4355" dirty="0"/>
           </a:p>
         </p:txBody>
       </p:sp>
@@ -11298,17 +11414,17 @@
           </a:ln>
           <a:extLst>
             <a:ext uri="{FAA26D3D-D897-4be2-8F04-BA451C77F1D7}">
-              <ma14:placeholderFlag xmlns:ma14="http://schemas.microsoft.com/office/mac/drawingml/2011/main" xmlns="" val="1"/>
+              <ma14:placeholderFlag xmlns="" xmlns:ma14="http://schemas.microsoft.com/office/mac/drawingml/2011/main" val="1"/>
             </a:ext>
             <a:ext uri="{909E8E84-426E-40dd-AFC4-6F175D3DCCD1}">
-              <a14:hiddenFill xmlns="" xmlns:a14="http://schemas.microsoft.com/office/drawing/2010/main">
+              <a14:hiddenFill xmlns:a14="http://schemas.microsoft.com/office/drawing/2010/main" xmlns="">
                 <a:solidFill>
                   <a:srgbClr val="FFFFFF"/>
                 </a:solidFill>
               </a14:hiddenFill>
             </a:ext>
             <a:ext uri="{91240B29-F687-4f45-9708-019B960494DF}">
-              <a14:hiddenLine xmlns="" xmlns:a14="http://schemas.microsoft.com/office/drawing/2010/main" w="9525">
+              <a14:hiddenLine xmlns:a14="http://schemas.microsoft.com/office/drawing/2010/main" xmlns="" w="9525">
                 <a:solidFill>
                   <a:srgbClr val="000000"/>
                 </a:solidFill>
@@ -11654,17 +11770,17 @@
           </a:ln>
           <a:extLst>
             <a:ext uri="{FAA26D3D-D897-4be2-8F04-BA451C77F1D7}">
-              <ma14:placeholderFlag xmlns:ma14="http://schemas.microsoft.com/office/mac/drawingml/2011/main" xmlns="" val="1"/>
+              <ma14:placeholderFlag xmlns="" xmlns:ma14="http://schemas.microsoft.com/office/mac/drawingml/2011/main" val="1"/>
             </a:ext>
             <a:ext uri="{909E8E84-426E-40dd-AFC4-6F175D3DCCD1}">
-              <a14:hiddenFill xmlns="" xmlns:a14="http://schemas.microsoft.com/office/drawing/2010/main">
+              <a14:hiddenFill xmlns:a14="http://schemas.microsoft.com/office/drawing/2010/main" xmlns="">
                 <a:solidFill>
                   <a:srgbClr val="FFFFFF"/>
                 </a:solidFill>
               </a14:hiddenFill>
             </a:ext>
             <a:ext uri="{91240B29-F687-4f45-9708-019B960494DF}">
-              <a14:hiddenLine xmlns="" xmlns:a14="http://schemas.microsoft.com/office/drawing/2010/main" w="9525">
+              <a14:hiddenLine xmlns:a14="http://schemas.microsoft.com/office/drawing/2010/main" xmlns="" w="9525">
                 <a:solidFill>
                   <a:srgbClr val="000000"/>
                 </a:solidFill>
